--- a/Interview Practice App.pptx
+++ b/Interview Practice App.pptx
@@ -4729,11 +4729,7 @@
             </a:r>
             <a:r>
               <a:rPr lang="en-US" sz="1400" dirty="0"/>
-              <a:t>handles each multi-turn </a:t>
-            </a:r>
-            <a:r>
-              <a:rPr lang="en-US" sz="1400"/>
-              <a:t>chat step</a:t>
+              <a:t>handles each multi-turn chat step</a:t>
             </a:r>
             <a:endParaRPr lang="de-DE" sz="1400" dirty="0"/>
           </a:p>
